--- a/到神的祭壇.pptx
+++ b/到神的祭壇.pptx
@@ -9,7 +9,7 @@
     <p:sldId id="259" r:id="rId3"/>
     <p:sldId id="260" r:id="rId4"/>
   </p:sldIdLst>
-  <p:sldSz cx="9144000" cy="6858000" type="screen4x3"/>
+  <p:sldSz cx="12192000" cy="6858000"/>
   <p:notesSz cx="6858000" cy="9144000"/>
   <p:defaultTextStyle>
     <a:defPPr>
@@ -106,6 +106,22 @@
       </a:defRPr>
     </a:lvl9pPr>
   </p:defaultTextStyle>
+  <p:extLst>
+    <p:ext uri="{EFAFB233-063F-42B5-8137-9DF3F51BA10A}">
+      <p15:sldGuideLst xmlns:p15="http://schemas.microsoft.com/office/powerpoint/2012/main">
+        <p15:guide id="1" orient="horz" pos="2160" userDrawn="1">
+          <p15:clr>
+            <a:srgbClr val="A4A3A4"/>
+          </p15:clr>
+        </p15:guide>
+        <p15:guide id="2" pos="3840" userDrawn="1">
+          <p15:clr>
+            <a:srgbClr val="A4A3A4"/>
+          </p15:clr>
+        </p15:guide>
+      </p15:sldGuideLst>
+    </p:ext>
+  </p:extLst>
 </p:presentation>
 </file>
 
@@ -138,8 +154,8 @@
         </p:nvSpPr>
         <p:spPr>
           <a:xfrm>
-            <a:off x="685800" y="2130425"/>
-            <a:ext cx="7772400" cy="1470025"/>
+            <a:off x="914400" y="2130426"/>
+            <a:ext cx="10363200" cy="1470025"/>
           </a:xfrm>
         </p:spPr>
         <p:txBody>
@@ -166,8 +182,8 @@
         </p:nvSpPr>
         <p:spPr>
           <a:xfrm>
-            <a:off x="1371600" y="3886200"/>
-            <a:ext cx="6400800" cy="1752600"/>
+            <a:off x="1828800" y="3886200"/>
+            <a:ext cx="8534400" cy="1752600"/>
           </a:xfrm>
         </p:spPr>
         <p:txBody>
@@ -291,7 +307,7 @@
             <a:fld id="{09FDE8C5-DBBD-4A43-87BC-AC6B346903FB}" type="datetimeFigureOut">
               <a:rPr lang="zh-TW" altLang="en-US" smtClean="0"/>
               <a:pPr/>
-              <a:t>2019/3/16</a:t>
+              <a:t>2020/3/7</a:t>
             </a:fld>
             <a:endParaRPr lang="zh-TW" altLang="en-US"/>
           </a:p>
@@ -458,7 +474,7 @@
             <a:fld id="{09FDE8C5-DBBD-4A43-87BC-AC6B346903FB}" type="datetimeFigureOut">
               <a:rPr lang="zh-TW" altLang="en-US" smtClean="0"/>
               <a:pPr/>
-              <a:t>2019/3/16</a:t>
+              <a:t>2020/3/7</a:t>
             </a:fld>
             <a:endParaRPr lang="zh-TW" altLang="en-US"/>
           </a:p>
@@ -544,8 +560,8 @@
         </p:nvSpPr>
         <p:spPr>
           <a:xfrm>
-            <a:off x="6629400" y="274638"/>
-            <a:ext cx="2057400" cy="5851525"/>
+            <a:off x="8839200" y="274639"/>
+            <a:ext cx="2743200" cy="5851525"/>
           </a:xfrm>
         </p:spPr>
         <p:txBody>
@@ -572,8 +588,8 @@
         </p:nvSpPr>
         <p:spPr>
           <a:xfrm>
-            <a:off x="457200" y="274638"/>
-            <a:ext cx="6019800" cy="5851525"/>
+            <a:off x="609600" y="274639"/>
+            <a:ext cx="8026400" cy="5851525"/>
           </a:xfrm>
         </p:spPr>
         <p:txBody>
@@ -635,7 +651,7 @@
             <a:fld id="{09FDE8C5-DBBD-4A43-87BC-AC6B346903FB}" type="datetimeFigureOut">
               <a:rPr lang="zh-TW" altLang="en-US" smtClean="0"/>
               <a:pPr/>
-              <a:t>2019/3/16</a:t>
+              <a:t>2020/3/7</a:t>
             </a:fld>
             <a:endParaRPr lang="zh-TW" altLang="en-US"/>
           </a:p>
@@ -802,7 +818,7 @@
             <a:fld id="{09FDE8C5-DBBD-4A43-87BC-AC6B346903FB}" type="datetimeFigureOut">
               <a:rPr lang="zh-TW" altLang="en-US" smtClean="0"/>
               <a:pPr/>
-              <a:t>2019/3/16</a:t>
+              <a:t>2020/3/7</a:t>
             </a:fld>
             <a:endParaRPr lang="zh-TW" altLang="en-US"/>
           </a:p>
@@ -888,8 +904,8 @@
         </p:nvSpPr>
         <p:spPr>
           <a:xfrm>
-            <a:off x="722313" y="4406900"/>
-            <a:ext cx="7772400" cy="1362075"/>
+            <a:off x="963084" y="4406901"/>
+            <a:ext cx="10363200" cy="1362075"/>
           </a:xfrm>
         </p:spPr>
         <p:txBody>
@@ -920,8 +936,8 @@
         </p:nvSpPr>
         <p:spPr>
           <a:xfrm>
-            <a:off x="722313" y="2906713"/>
-            <a:ext cx="7772400" cy="1500187"/>
+            <a:off x="963084" y="2906713"/>
+            <a:ext cx="10363200" cy="1500187"/>
           </a:xfrm>
         </p:spPr>
         <p:txBody>
@@ -1045,7 +1061,7 @@
             <a:fld id="{09FDE8C5-DBBD-4A43-87BC-AC6B346903FB}" type="datetimeFigureOut">
               <a:rPr lang="zh-TW" altLang="en-US" smtClean="0"/>
               <a:pPr/>
-              <a:t>2019/3/16</a:t>
+              <a:t>2020/3/7</a:t>
             </a:fld>
             <a:endParaRPr lang="zh-TW" altLang="en-US"/>
           </a:p>
@@ -1154,8 +1170,8 @@
         </p:nvSpPr>
         <p:spPr>
           <a:xfrm>
-            <a:off x="457200" y="1600200"/>
-            <a:ext cx="4038600" cy="4525963"/>
+            <a:off x="609600" y="1600201"/>
+            <a:ext cx="5384800" cy="4525963"/>
           </a:xfrm>
         </p:spPr>
         <p:txBody>
@@ -1239,8 +1255,8 @@
         </p:nvSpPr>
         <p:spPr>
           <a:xfrm>
-            <a:off x="4648200" y="1600200"/>
-            <a:ext cx="4038600" cy="4525963"/>
+            <a:off x="6197600" y="1600201"/>
+            <a:ext cx="5384800" cy="4525963"/>
           </a:xfrm>
         </p:spPr>
         <p:txBody>
@@ -1330,7 +1346,7 @@
             <a:fld id="{09FDE8C5-DBBD-4A43-87BC-AC6B346903FB}" type="datetimeFigureOut">
               <a:rPr lang="zh-TW" altLang="en-US" smtClean="0"/>
               <a:pPr/>
-              <a:t>2019/3/16</a:t>
+              <a:t>2020/3/7</a:t>
             </a:fld>
             <a:endParaRPr lang="zh-TW" altLang="en-US"/>
           </a:p>
@@ -1443,8 +1459,8 @@
         </p:nvSpPr>
         <p:spPr>
           <a:xfrm>
-            <a:off x="457200" y="1535113"/>
-            <a:ext cx="4040188" cy="639762"/>
+            <a:off x="609600" y="1535113"/>
+            <a:ext cx="5386917" cy="639762"/>
           </a:xfrm>
         </p:spPr>
         <p:txBody>
@@ -1508,8 +1524,8 @@
         </p:nvSpPr>
         <p:spPr>
           <a:xfrm>
-            <a:off x="457200" y="2174875"/>
-            <a:ext cx="4040188" cy="3951288"/>
+            <a:off x="609600" y="2174875"/>
+            <a:ext cx="5386917" cy="3951288"/>
           </a:xfrm>
         </p:spPr>
         <p:txBody>
@@ -1593,8 +1609,8 @@
         </p:nvSpPr>
         <p:spPr>
           <a:xfrm>
-            <a:off x="4645025" y="1535113"/>
-            <a:ext cx="4041775" cy="639762"/>
+            <a:off x="6193368" y="1535113"/>
+            <a:ext cx="5389033" cy="639762"/>
           </a:xfrm>
         </p:spPr>
         <p:txBody>
@@ -1658,8 +1674,8 @@
         </p:nvSpPr>
         <p:spPr>
           <a:xfrm>
-            <a:off x="4645025" y="2174875"/>
-            <a:ext cx="4041775" cy="3951288"/>
+            <a:off x="6193368" y="2174875"/>
+            <a:ext cx="5389033" cy="3951288"/>
           </a:xfrm>
         </p:spPr>
         <p:txBody>
@@ -1749,7 +1765,7 @@
             <a:fld id="{09FDE8C5-DBBD-4A43-87BC-AC6B346903FB}" type="datetimeFigureOut">
               <a:rPr lang="zh-TW" altLang="en-US" smtClean="0"/>
               <a:pPr/>
-              <a:t>2019/3/16</a:t>
+              <a:t>2020/3/7</a:t>
             </a:fld>
             <a:endParaRPr lang="zh-TW" altLang="en-US"/>
           </a:p>
@@ -1864,7 +1880,7 @@
             <a:fld id="{09FDE8C5-DBBD-4A43-87BC-AC6B346903FB}" type="datetimeFigureOut">
               <a:rPr lang="zh-TW" altLang="en-US" smtClean="0"/>
               <a:pPr/>
-              <a:t>2019/3/16</a:t>
+              <a:t>2020/3/7</a:t>
             </a:fld>
             <a:endParaRPr lang="zh-TW" altLang="en-US"/>
           </a:p>
@@ -1956,7 +1972,7 @@
             <a:fld id="{09FDE8C5-DBBD-4A43-87BC-AC6B346903FB}" type="datetimeFigureOut">
               <a:rPr lang="zh-TW" altLang="en-US" smtClean="0"/>
               <a:pPr/>
-              <a:t>2019/3/16</a:t>
+              <a:t>2020/3/7</a:t>
             </a:fld>
             <a:endParaRPr lang="zh-TW" altLang="en-US"/>
           </a:p>
@@ -2042,8 +2058,8 @@
         </p:nvSpPr>
         <p:spPr>
           <a:xfrm>
-            <a:off x="457200" y="273050"/>
-            <a:ext cx="3008313" cy="1162050"/>
+            <a:off x="609601" y="273050"/>
+            <a:ext cx="4011084" cy="1162050"/>
           </a:xfrm>
         </p:spPr>
         <p:txBody>
@@ -2074,8 +2090,8 @@
         </p:nvSpPr>
         <p:spPr>
           <a:xfrm>
-            <a:off x="3575050" y="273050"/>
-            <a:ext cx="5111750" cy="5853113"/>
+            <a:off x="4766733" y="273051"/>
+            <a:ext cx="6815667" cy="5853113"/>
           </a:xfrm>
         </p:spPr>
         <p:txBody>
@@ -2159,8 +2175,8 @@
         </p:nvSpPr>
         <p:spPr>
           <a:xfrm>
-            <a:off x="457200" y="1435100"/>
-            <a:ext cx="3008313" cy="4691063"/>
+            <a:off x="609601" y="1435101"/>
+            <a:ext cx="4011084" cy="4691063"/>
           </a:xfrm>
         </p:spPr>
         <p:txBody>
@@ -2230,7 +2246,7 @@
             <a:fld id="{09FDE8C5-DBBD-4A43-87BC-AC6B346903FB}" type="datetimeFigureOut">
               <a:rPr lang="zh-TW" altLang="en-US" smtClean="0"/>
               <a:pPr/>
-              <a:t>2019/3/16</a:t>
+              <a:t>2020/3/7</a:t>
             </a:fld>
             <a:endParaRPr lang="zh-TW" altLang="en-US"/>
           </a:p>
@@ -2316,8 +2332,8 @@
         </p:nvSpPr>
         <p:spPr>
           <a:xfrm>
-            <a:off x="1792288" y="4800600"/>
-            <a:ext cx="5486400" cy="566738"/>
+            <a:off x="2389717" y="4800600"/>
+            <a:ext cx="7315200" cy="566738"/>
           </a:xfrm>
         </p:spPr>
         <p:txBody>
@@ -2348,8 +2364,8 @@
         </p:nvSpPr>
         <p:spPr>
           <a:xfrm>
-            <a:off x="1792288" y="612775"/>
-            <a:ext cx="5486400" cy="4114800"/>
+            <a:off x="2389717" y="612775"/>
+            <a:ext cx="7315200" cy="4114800"/>
           </a:xfrm>
         </p:spPr>
         <p:txBody>
@@ -2413,8 +2429,8 @@
         </p:nvSpPr>
         <p:spPr>
           <a:xfrm>
-            <a:off x="1792288" y="5367338"/>
-            <a:ext cx="5486400" cy="804862"/>
+            <a:off x="2389717" y="5367338"/>
+            <a:ext cx="7315200" cy="804862"/>
           </a:xfrm>
         </p:spPr>
         <p:txBody>
@@ -2484,7 +2500,7 @@
             <a:fld id="{09FDE8C5-DBBD-4A43-87BC-AC6B346903FB}" type="datetimeFigureOut">
               <a:rPr lang="zh-TW" altLang="en-US" smtClean="0"/>
               <a:pPr/>
-              <a:t>2019/3/16</a:t>
+              <a:t>2020/3/7</a:t>
             </a:fld>
             <a:endParaRPr lang="zh-TW" altLang="en-US"/>
           </a:p>
@@ -2580,8 +2596,8 @@
         </p:nvSpPr>
         <p:spPr>
           <a:xfrm>
-            <a:off x="457200" y="274638"/>
-            <a:ext cx="8229600" cy="1143000"/>
+            <a:off x="609600" y="274638"/>
+            <a:ext cx="10972800" cy="1143000"/>
           </a:xfrm>
           <a:prstGeom prst="rect">
             <a:avLst/>
@@ -2613,8 +2629,8 @@
         </p:nvSpPr>
         <p:spPr>
           <a:xfrm>
-            <a:off x="457200" y="1600200"/>
-            <a:ext cx="8229600" cy="4525963"/>
+            <a:off x="609600" y="1600201"/>
+            <a:ext cx="10972800" cy="4525963"/>
           </a:xfrm>
           <a:prstGeom prst="rect">
             <a:avLst/>
@@ -2675,8 +2691,8 @@
         </p:nvSpPr>
         <p:spPr>
           <a:xfrm>
-            <a:off x="457200" y="6356350"/>
-            <a:ext cx="2133600" cy="365125"/>
+            <a:off x="609600" y="6356351"/>
+            <a:ext cx="2844800" cy="365125"/>
           </a:xfrm>
           <a:prstGeom prst="rect">
             <a:avLst/>
@@ -2699,7 +2715,7 @@
             <a:fld id="{09FDE8C5-DBBD-4A43-87BC-AC6B346903FB}" type="datetimeFigureOut">
               <a:rPr lang="zh-TW" altLang="en-US" smtClean="0"/>
               <a:pPr/>
-              <a:t>2019/3/16</a:t>
+              <a:t>2020/3/7</a:t>
             </a:fld>
             <a:endParaRPr lang="zh-TW" altLang="en-US"/>
           </a:p>
@@ -2717,8 +2733,8 @@
         </p:nvSpPr>
         <p:spPr>
           <a:xfrm>
-            <a:off x="3124200" y="6356350"/>
-            <a:ext cx="2895600" cy="365125"/>
+            <a:off x="4165600" y="6356351"/>
+            <a:ext cx="3860800" cy="365125"/>
           </a:xfrm>
           <a:prstGeom prst="rect">
             <a:avLst/>
@@ -2754,8 +2770,8 @@
         </p:nvSpPr>
         <p:spPr>
           <a:xfrm>
-            <a:off x="6553200" y="6356350"/>
-            <a:ext cx="2133600" cy="365125"/>
+            <a:off x="8737600" y="6356351"/>
+            <a:ext cx="2844800" cy="365125"/>
           </a:xfrm>
           <a:prstGeom prst="rect">
             <a:avLst/>
@@ -3129,7 +3145,7 @@
         </p:nvSpPr>
         <p:spPr>
           <a:xfrm>
-            <a:off x="0" y="1714488"/>
+            <a:off x="1524000" y="1714488"/>
             <a:ext cx="9144000" cy="5143512"/>
           </a:xfrm>
           <a:prstGeom prst="rect">
@@ -3186,7 +3202,7 @@
               <a:t>神</a:t>
             </a:r>
             <a:r>
-              <a:rPr lang="zh-TW" altLang="en-US" sz="5400" b="1" dirty="0" smtClean="0">
+              <a:rPr lang="zh-TW" altLang="en-US" sz="5400" b="1" dirty="0">
                 <a:solidFill>
                   <a:srgbClr val="660033"/>
                 </a:solidFill>
@@ -3206,7 +3222,7 @@
               <a:t>的</a:t>
             </a:r>
             <a:r>
-              <a:rPr lang="zh-TW" altLang="en-US" sz="5400" b="1" dirty="0" smtClean="0">
+              <a:rPr lang="zh-TW" altLang="en-US" sz="5400" b="1" dirty="0">
                 <a:solidFill>
                   <a:srgbClr val="660033"/>
                 </a:solidFill>
@@ -3216,7 +3232,7 @@
               <a:t>神</a:t>
             </a:r>
             <a:r>
-              <a:rPr lang="en-US" altLang="zh-TW" sz="5400" b="1" dirty="0" smtClean="0">
+              <a:rPr lang="en-US" altLang="zh-TW" sz="5400" b="1" dirty="0">
                 <a:solidFill>
                   <a:srgbClr val="660033"/>
                 </a:solidFill>
@@ -3226,7 +3242,7 @@
               <a:t>  </a:t>
             </a:r>
             <a:r>
-              <a:rPr lang="zh-TW" altLang="en-US" sz="5400" b="1" dirty="0" smtClean="0">
+              <a:rPr lang="zh-TW" altLang="en-US" sz="5400" b="1" dirty="0">
                 <a:solidFill>
                   <a:srgbClr val="660033"/>
                 </a:solidFill>
@@ -3246,7 +3262,7 @@
               <a:t>要</a:t>
             </a:r>
             <a:r>
-              <a:rPr lang="zh-TW" altLang="en-US" sz="5400" b="1" dirty="0" smtClean="0">
+              <a:rPr lang="zh-TW" altLang="en-US" sz="5400" b="1" dirty="0">
                 <a:solidFill>
                   <a:srgbClr val="660033"/>
                 </a:solidFill>
@@ -3256,6 +3272,16 @@
               <a:t>彈琴</a:t>
             </a:r>
             <a:r>
+              <a:rPr lang="zh-CN" altLang="en-US" sz="5400" b="1" dirty="0">
+                <a:solidFill>
+                  <a:srgbClr val="660033"/>
+                </a:solidFill>
+                <a:latin typeface="微軟正黑體" pitchFamily="34" charset="-120"/>
+                <a:ea typeface="微軟正黑體" pitchFamily="34" charset="-120"/>
+              </a:rPr>
+              <a:t>稱</a:t>
+            </a:r>
+            <a:r>
               <a:rPr lang="zh-CN" altLang="en-US" sz="5400" b="1" dirty="0" smtClean="0">
                 <a:solidFill>
                   <a:srgbClr val="660033"/>
@@ -3263,19 +3289,9 @@
                 <a:latin typeface="微軟正黑體" pitchFamily="34" charset="-120"/>
                 <a:ea typeface="微軟正黑體" pitchFamily="34" charset="-120"/>
               </a:rPr>
-              <a:t>稱頌</a:t>
-            </a:r>
-            <a:r>
-              <a:rPr lang="zh-TW" altLang="en-US" sz="5400" b="1" dirty="0" smtClean="0">
-                <a:solidFill>
-                  <a:srgbClr val="660033"/>
-                </a:solidFill>
-                <a:latin typeface="微軟正黑體" pitchFamily="34" charset="-120"/>
-                <a:ea typeface="微軟正黑體" pitchFamily="34" charset="-120"/>
-              </a:rPr>
-              <a:t>你</a:t>
-            </a:r>
-            <a:endParaRPr lang="en-US" altLang="zh-TW" sz="5400" b="1" dirty="0" smtClean="0">
+              <a:t>頌袮</a:t>
+            </a:r>
+            <a:endParaRPr lang="en-US" altLang="zh-TW" sz="5400" b="1" dirty="0">
               <a:solidFill>
                 <a:srgbClr val="660033"/>
               </a:solidFill>
@@ -3288,47 +3304,27 @@
               <a:buNone/>
             </a:pPr>
             <a:r>
-              <a:rPr lang="zh-TW" altLang="en-US" sz="5400" b="1" dirty="0" smtClean="0">
-                <a:solidFill>
-                  <a:srgbClr val="660033"/>
-                </a:solidFill>
-                <a:latin typeface="微軟正黑體" pitchFamily="34" charset="-120"/>
-                <a:ea typeface="微軟正黑體" pitchFamily="34" charset="-120"/>
-              </a:rPr>
-              <a:t>神啊我</a:t>
-            </a:r>
-            <a:r>
-              <a:rPr lang="zh-TW" altLang="en-US" sz="5400" b="1" dirty="0" smtClean="0">
-                <a:solidFill>
-                  <a:srgbClr val="660033"/>
-                </a:solidFill>
-                <a:latin typeface="微軟正黑體" pitchFamily="34" charset="-120"/>
-                <a:ea typeface="微軟正黑體" pitchFamily="34" charset="-120"/>
-              </a:rPr>
-              <a:t>的神</a:t>
-            </a:r>
-            <a:r>
-              <a:rPr lang="en-US" altLang="zh-TW" sz="5400" b="1" dirty="0" smtClean="0">
-                <a:solidFill>
-                  <a:srgbClr val="660033"/>
-                </a:solidFill>
-                <a:latin typeface="微軟正黑體" pitchFamily="34" charset="-120"/>
-                <a:ea typeface="微軟正黑體" pitchFamily="34" charset="-120"/>
-              </a:rPr>
-              <a:t> </a:t>
-            </a:r>
-            <a:r>
-              <a:rPr lang="en-US" altLang="zh-TW" sz="5400" b="1" dirty="0" smtClean="0">
-                <a:solidFill>
-                  <a:srgbClr val="660033"/>
-                </a:solidFill>
-                <a:latin typeface="微軟正黑體" pitchFamily="34" charset="-120"/>
-                <a:ea typeface="微軟正黑體" pitchFamily="34" charset="-120"/>
-              </a:rPr>
-              <a:t> </a:t>
-            </a:r>
-            <a:r>
-              <a:rPr lang="zh-TW" altLang="en-US" sz="5400" b="1" dirty="0" smtClean="0">
+              <a:rPr lang="zh-TW" altLang="en-US" sz="5400" b="1" dirty="0">
+                <a:solidFill>
+                  <a:srgbClr val="660033"/>
+                </a:solidFill>
+                <a:latin typeface="微軟正黑體" pitchFamily="34" charset="-120"/>
+                <a:ea typeface="微軟正黑體" pitchFamily="34" charset="-120"/>
+              </a:rPr>
+              <a:t>神啊我的神</a:t>
+            </a:r>
+            <a:r>
+              <a:rPr lang="en-US" altLang="zh-TW" sz="5400" b="1" dirty="0">
+                <a:solidFill>
+                  <a:srgbClr val="660033"/>
+                </a:solidFill>
+                <a:latin typeface="微軟正黑體" pitchFamily="34" charset="-120"/>
+                <a:ea typeface="微軟正黑體" pitchFamily="34" charset="-120"/>
+              </a:rPr>
+              <a:t>  </a:t>
+            </a:r>
+            <a:r>
+              <a:rPr lang="zh-TW" altLang="en-US" sz="5400" b="1" dirty="0">
                 <a:solidFill>
                   <a:srgbClr val="660033"/>
                 </a:solidFill>
@@ -3338,6 +3334,16 @@
               <a:t>我要彈琴</a:t>
             </a:r>
             <a:r>
+              <a:rPr lang="zh-CN" altLang="en-US" sz="5400" b="1" dirty="0">
+                <a:solidFill>
+                  <a:srgbClr val="660033"/>
+                </a:solidFill>
+                <a:latin typeface="微軟正黑體" pitchFamily="34" charset="-120"/>
+                <a:ea typeface="微軟正黑體" pitchFamily="34" charset="-120"/>
+              </a:rPr>
+              <a:t>稱</a:t>
+            </a:r>
+            <a:r>
               <a:rPr lang="zh-CN" altLang="en-US" sz="5400" b="1" dirty="0" smtClean="0">
                 <a:solidFill>
                   <a:srgbClr val="660033"/>
@@ -3345,19 +3351,19 @@
                 <a:latin typeface="微軟正黑體" pitchFamily="34" charset="-120"/>
                 <a:ea typeface="微軟正黑體" pitchFamily="34" charset="-120"/>
               </a:rPr>
-              <a:t>稱頌</a:t>
-            </a:r>
-            <a:r>
-              <a:rPr lang="zh-TW" altLang="en-US" sz="5400" b="1" dirty="0" smtClean="0">
-                <a:solidFill>
-                  <a:srgbClr val="660033"/>
-                </a:solidFill>
-                <a:latin typeface="微軟正黑體" pitchFamily="34" charset="-120"/>
-                <a:ea typeface="微軟正黑體" pitchFamily="34" charset="-120"/>
-              </a:rPr>
-              <a:t>你</a:t>
-            </a:r>
-            <a:endParaRPr lang="zh-TW" altLang="en-US" sz="5400" b="1" dirty="0" smtClean="0">
+              <a:t>頌</a:t>
+            </a:r>
+            <a:r>
+              <a:rPr lang="zh-CN" altLang="en-US" sz="5400" b="1" dirty="0">
+                <a:solidFill>
+                  <a:srgbClr val="660033"/>
+                </a:solidFill>
+                <a:latin typeface="微軟正黑體" pitchFamily="34" charset="-120"/>
+                <a:ea typeface="微軟正黑體" pitchFamily="34" charset="-120"/>
+              </a:rPr>
+              <a:t>袮</a:t>
+            </a:r>
+            <a:endParaRPr lang="zh-TW" altLang="en-US" sz="5400" b="1" dirty="0">
               <a:solidFill>
                 <a:srgbClr val="660033"/>
               </a:solidFill>
@@ -3458,7 +3464,7 @@
         </p:nvSpPr>
         <p:spPr>
           <a:xfrm>
-            <a:off x="0" y="1714488"/>
+            <a:off x="1524000" y="1714488"/>
             <a:ext cx="9144000" cy="5143512"/>
           </a:xfrm>
           <a:prstGeom prst="rect">
@@ -3475,7 +3481,7 @@
               <a:buNone/>
             </a:pPr>
             <a:r>
-              <a:rPr lang="zh-TW" altLang="en-US" sz="5400" b="1" dirty="0" smtClean="0">
+              <a:rPr lang="zh-TW" altLang="en-US" sz="5400" b="1" dirty="0">
                 <a:solidFill>
                   <a:srgbClr val="660033"/>
                 </a:solidFill>
@@ -3490,7 +3496,7 @@
               <a:buNone/>
             </a:pPr>
             <a:r>
-              <a:rPr lang="zh-TW" altLang="en-US" sz="5400" b="1" dirty="0" smtClean="0">
+              <a:rPr lang="zh-TW" altLang="en-US" sz="5400" b="1" dirty="0">
                 <a:solidFill>
                   <a:srgbClr val="660033"/>
                 </a:solidFill>
@@ -3505,27 +3511,17 @@
               <a:buNone/>
             </a:pPr>
             <a:r>
-              <a:rPr lang="zh-TW" altLang="en-US" sz="5400" b="1" dirty="0" smtClean="0">
-                <a:solidFill>
-                  <a:srgbClr val="660033"/>
-                </a:solidFill>
-                <a:latin typeface="微軟正黑體" pitchFamily="34" charset="-120"/>
-                <a:ea typeface="微軟正黑體" pitchFamily="34" charset="-120"/>
-              </a:rPr>
-              <a:t>神啊我的</a:t>
-            </a:r>
-            <a:r>
-              <a:rPr lang="zh-TW" altLang="en-US" sz="5400" b="1" dirty="0" smtClean="0">
-                <a:solidFill>
-                  <a:srgbClr val="660033"/>
-                </a:solidFill>
-                <a:latin typeface="微軟正黑體" pitchFamily="34" charset="-120"/>
-                <a:ea typeface="微軟正黑體" pitchFamily="34" charset="-120"/>
-              </a:rPr>
-              <a:t>神</a:t>
-            </a:r>
-            <a:r>
-              <a:rPr lang="en-US" altLang="zh-TW" sz="5400" b="1" dirty="0" smtClean="0">
+              <a:rPr lang="zh-TW" altLang="en-US" sz="5400" b="1" dirty="0">
+                <a:solidFill>
+                  <a:srgbClr val="660033"/>
+                </a:solidFill>
+                <a:latin typeface="微軟正黑體" pitchFamily="34" charset="-120"/>
+                <a:ea typeface="微軟正黑體" pitchFamily="34" charset="-120"/>
+              </a:rPr>
+              <a:t>神啊我的神</a:t>
+            </a:r>
+            <a:r>
+              <a:rPr lang="en-US" altLang="zh-TW" sz="5400" b="1" dirty="0">
                 <a:solidFill>
                   <a:srgbClr val="660033"/>
                 </a:solidFill>
@@ -3535,24 +3531,24 @@
               <a:t>  </a:t>
             </a:r>
             <a:r>
-              <a:rPr lang="zh-TW" altLang="en-US" sz="5400" b="1" dirty="0" smtClean="0">
-                <a:solidFill>
-                  <a:srgbClr val="660033"/>
-                </a:solidFill>
-                <a:latin typeface="微軟正黑體" pitchFamily="34" charset="-120"/>
-                <a:ea typeface="微軟正黑體" pitchFamily="34" charset="-120"/>
-              </a:rPr>
-              <a:t>我</a:t>
-            </a:r>
-            <a:r>
-              <a:rPr lang="zh-TW" altLang="en-US" sz="5400" b="1" dirty="0" smtClean="0">
-                <a:solidFill>
-                  <a:srgbClr val="660033"/>
-                </a:solidFill>
-                <a:latin typeface="微軟正黑體" pitchFamily="34" charset="-120"/>
-                <a:ea typeface="微軟正黑體" pitchFamily="34" charset="-120"/>
-              </a:rPr>
-              <a:t>要</a:t>
+              <a:rPr lang="zh-TW" altLang="en-US" sz="5400" b="1" dirty="0">
+                <a:solidFill>
+                  <a:srgbClr val="660033"/>
+                </a:solidFill>
+                <a:latin typeface="微軟正黑體" pitchFamily="34" charset="-120"/>
+                <a:ea typeface="微軟正黑體" pitchFamily="34" charset="-120"/>
+              </a:rPr>
+              <a:t>我要</a:t>
+            </a:r>
+            <a:r>
+              <a:rPr lang="zh-CN" altLang="en-US" sz="5400" b="1" dirty="0">
+                <a:solidFill>
+                  <a:srgbClr val="660033"/>
+                </a:solidFill>
+                <a:latin typeface="微軟正黑體" pitchFamily="34" charset="-120"/>
+                <a:ea typeface="微軟正黑體" pitchFamily="34" charset="-120"/>
+              </a:rPr>
+              <a:t>唱詩稱</a:t>
             </a:r>
             <a:r>
               <a:rPr lang="zh-CN" altLang="en-US" sz="5400" b="1" dirty="0" smtClean="0">
@@ -3562,19 +3558,19 @@
                 <a:latin typeface="微軟正黑體" pitchFamily="34" charset="-120"/>
                 <a:ea typeface="微軟正黑體" pitchFamily="34" charset="-120"/>
               </a:rPr>
-              <a:t>唱詩稱頌</a:t>
-            </a:r>
-            <a:r>
-              <a:rPr lang="zh-TW" altLang="en-US" sz="5400" b="1" dirty="0" smtClean="0">
-                <a:solidFill>
-                  <a:srgbClr val="660033"/>
-                </a:solidFill>
-                <a:latin typeface="微軟正黑體" pitchFamily="34" charset="-120"/>
-                <a:ea typeface="微軟正黑體" pitchFamily="34" charset="-120"/>
-              </a:rPr>
-              <a:t>你</a:t>
-            </a:r>
-            <a:endParaRPr lang="en-US" altLang="zh-TW" sz="5400" b="1" dirty="0" smtClean="0">
+              <a:t>頌</a:t>
+            </a:r>
+            <a:r>
+              <a:rPr lang="zh-CN" altLang="en-US" sz="5400" b="1" dirty="0">
+                <a:solidFill>
+                  <a:srgbClr val="660033"/>
+                </a:solidFill>
+                <a:latin typeface="微軟正黑體" pitchFamily="34" charset="-120"/>
+                <a:ea typeface="微軟正黑體" pitchFamily="34" charset="-120"/>
+              </a:rPr>
+              <a:t>袮</a:t>
+            </a:r>
+            <a:endParaRPr lang="en-US" altLang="zh-TW" sz="5400" b="1" dirty="0">
               <a:solidFill>
                 <a:srgbClr val="660033"/>
               </a:solidFill>
@@ -3587,37 +3583,17 @@
               <a:buNone/>
             </a:pPr>
             <a:r>
-              <a:rPr lang="zh-TW" altLang="en-US" sz="5400" b="1" dirty="0" smtClean="0">
-                <a:solidFill>
-                  <a:srgbClr val="660033"/>
-                </a:solidFill>
-                <a:latin typeface="微軟正黑體" pitchFamily="34" charset="-120"/>
-                <a:ea typeface="微軟正黑體" pitchFamily="34" charset="-120"/>
-              </a:rPr>
-              <a:t>神</a:t>
-            </a:r>
-            <a:r>
-              <a:rPr lang="zh-TW" altLang="en-US" sz="5400" b="1" dirty="0" smtClean="0">
-                <a:solidFill>
-                  <a:srgbClr val="660033"/>
-                </a:solidFill>
-                <a:latin typeface="微軟正黑體" pitchFamily="34" charset="-120"/>
-                <a:ea typeface="微軟正黑體" pitchFamily="34" charset="-120"/>
-              </a:rPr>
-              <a:t>啊我的</a:t>
-            </a:r>
-            <a:r>
-              <a:rPr lang="zh-TW" altLang="en-US" sz="5400" b="1" dirty="0" smtClean="0">
-                <a:solidFill>
-                  <a:srgbClr val="660033"/>
-                </a:solidFill>
-                <a:latin typeface="微軟正黑體" pitchFamily="34" charset="-120"/>
-                <a:ea typeface="微軟正黑體" pitchFamily="34" charset="-120"/>
-              </a:rPr>
-              <a:t>神</a:t>
-            </a:r>
-            <a:r>
-              <a:rPr lang="en-US" altLang="zh-TW" sz="5400" b="1" dirty="0" smtClean="0">
+              <a:rPr lang="zh-TW" altLang="en-US" sz="5400" b="1" dirty="0">
+                <a:solidFill>
+                  <a:srgbClr val="660033"/>
+                </a:solidFill>
+                <a:latin typeface="微軟正黑體" pitchFamily="34" charset="-120"/>
+                <a:ea typeface="微軟正黑體" pitchFamily="34" charset="-120"/>
+              </a:rPr>
+              <a:t>神啊我的神</a:t>
+            </a:r>
+            <a:r>
+              <a:rPr lang="en-US" altLang="zh-TW" sz="5400" b="1" dirty="0">
                 <a:solidFill>
                   <a:srgbClr val="660033"/>
                 </a:solidFill>
@@ -3627,24 +3603,24 @@
               <a:t>  </a:t>
             </a:r>
             <a:r>
-              <a:rPr lang="zh-TW" altLang="en-US" sz="5400" b="1" dirty="0" smtClean="0">
-                <a:solidFill>
-                  <a:srgbClr val="660033"/>
-                </a:solidFill>
-                <a:latin typeface="微軟正黑體" pitchFamily="34" charset="-120"/>
-                <a:ea typeface="微軟正黑體" pitchFamily="34" charset="-120"/>
-              </a:rPr>
-              <a:t>我</a:t>
-            </a:r>
-            <a:r>
-              <a:rPr lang="zh-TW" altLang="en-US" sz="5400" b="1" dirty="0" smtClean="0">
-                <a:solidFill>
-                  <a:srgbClr val="660033"/>
-                </a:solidFill>
-                <a:latin typeface="微軟正黑體" pitchFamily="34" charset="-120"/>
-                <a:ea typeface="微軟正黑體" pitchFamily="34" charset="-120"/>
-              </a:rPr>
-              <a:t>要</a:t>
+              <a:rPr lang="zh-TW" altLang="en-US" sz="5400" b="1" dirty="0">
+                <a:solidFill>
+                  <a:srgbClr val="660033"/>
+                </a:solidFill>
+                <a:latin typeface="微軟正黑體" pitchFamily="34" charset="-120"/>
+                <a:ea typeface="微軟正黑體" pitchFamily="34" charset="-120"/>
+              </a:rPr>
+              <a:t>我要</a:t>
+            </a:r>
+            <a:r>
+              <a:rPr lang="zh-CN" altLang="en-US" sz="5400" b="1" dirty="0">
+                <a:solidFill>
+                  <a:srgbClr val="660033"/>
+                </a:solidFill>
+                <a:latin typeface="微軟正黑體" pitchFamily="34" charset="-120"/>
+                <a:ea typeface="微軟正黑體" pitchFamily="34" charset="-120"/>
+              </a:rPr>
+              <a:t>唱詩稱</a:t>
             </a:r>
             <a:r>
               <a:rPr lang="zh-CN" altLang="en-US" sz="5400" b="1" dirty="0" smtClean="0">
@@ -3654,19 +3630,19 @@
                 <a:latin typeface="微軟正黑體" pitchFamily="34" charset="-120"/>
                 <a:ea typeface="微軟正黑體" pitchFamily="34" charset="-120"/>
               </a:rPr>
-              <a:t>唱詩稱頌</a:t>
-            </a:r>
-            <a:r>
-              <a:rPr lang="zh-TW" altLang="en-US" sz="5400" b="1" dirty="0" smtClean="0">
-                <a:solidFill>
-                  <a:srgbClr val="660033"/>
-                </a:solidFill>
-                <a:latin typeface="微軟正黑體" pitchFamily="34" charset="-120"/>
-                <a:ea typeface="微軟正黑體" pitchFamily="34" charset="-120"/>
-              </a:rPr>
-              <a:t>你</a:t>
-            </a:r>
-            <a:endParaRPr lang="zh-TW" altLang="en-US" sz="5400" b="1" dirty="0" smtClean="0">
+              <a:t>頌</a:t>
+            </a:r>
+            <a:r>
+              <a:rPr lang="zh-CN" altLang="en-US" sz="5400" b="1" dirty="0">
+                <a:solidFill>
+                  <a:srgbClr val="660033"/>
+                </a:solidFill>
+                <a:latin typeface="微軟正黑體" pitchFamily="34" charset="-120"/>
+                <a:ea typeface="微軟正黑體" pitchFamily="34" charset="-120"/>
+              </a:rPr>
+              <a:t>袮</a:t>
+            </a:r>
+            <a:endParaRPr lang="zh-TW" altLang="en-US" sz="5400" b="1" dirty="0">
               <a:solidFill>
                 <a:srgbClr val="660033"/>
               </a:solidFill>
@@ -3767,7 +3743,7 @@
         </p:nvSpPr>
         <p:spPr>
           <a:xfrm>
-            <a:off x="0" y="1714488"/>
+            <a:off x="1524000" y="1714488"/>
             <a:ext cx="9144000" cy="5143512"/>
           </a:xfrm>
           <a:prstGeom prst="rect">
@@ -3784,7 +3760,7 @@
               <a:buNone/>
             </a:pPr>
             <a:r>
-              <a:rPr lang="zh-TW" altLang="en-US" sz="5400" b="1" dirty="0" smtClean="0">
+              <a:rPr lang="zh-TW" altLang="en-US" sz="5400" b="1" dirty="0">
                 <a:solidFill>
                   <a:srgbClr val="660033"/>
                 </a:solidFill>
@@ -3799,7 +3775,7 @@
               <a:buNone/>
             </a:pPr>
             <a:r>
-              <a:rPr lang="zh-TW" altLang="en-US" sz="5400" b="1" dirty="0" smtClean="0">
+              <a:rPr lang="zh-TW" altLang="en-US" sz="5400" b="1" dirty="0">
                 <a:solidFill>
                   <a:srgbClr val="660033"/>
                 </a:solidFill>
@@ -3814,27 +3790,17 @@
               <a:buNone/>
             </a:pPr>
             <a:r>
-              <a:rPr lang="zh-TW" altLang="en-US" sz="5400" b="1" dirty="0" smtClean="0">
-                <a:solidFill>
-                  <a:srgbClr val="660033"/>
-                </a:solidFill>
-                <a:latin typeface="微軟正黑體" pitchFamily="34" charset="-120"/>
-                <a:ea typeface="微軟正黑體" pitchFamily="34" charset="-120"/>
-              </a:rPr>
-              <a:t>神啊我的</a:t>
-            </a:r>
-            <a:r>
-              <a:rPr lang="zh-TW" altLang="en-US" sz="5400" b="1" dirty="0" smtClean="0">
-                <a:solidFill>
-                  <a:srgbClr val="660033"/>
-                </a:solidFill>
-                <a:latin typeface="微軟正黑體" pitchFamily="34" charset="-120"/>
-                <a:ea typeface="微軟正黑體" pitchFamily="34" charset="-120"/>
-              </a:rPr>
-              <a:t>神</a:t>
-            </a:r>
-            <a:r>
-              <a:rPr lang="en-US" altLang="zh-TW" sz="5400" b="1" dirty="0" smtClean="0">
+              <a:rPr lang="zh-TW" altLang="en-US" sz="5400" b="1" dirty="0">
+                <a:solidFill>
+                  <a:srgbClr val="660033"/>
+                </a:solidFill>
+                <a:latin typeface="微軟正黑體" pitchFamily="34" charset="-120"/>
+                <a:ea typeface="微軟正黑體" pitchFamily="34" charset="-120"/>
+              </a:rPr>
+              <a:t>神啊我的神</a:t>
+            </a:r>
+            <a:r>
+              <a:rPr lang="en-US" altLang="zh-TW" sz="5400" b="1" dirty="0">
                 <a:solidFill>
                   <a:srgbClr val="660033"/>
                 </a:solidFill>
@@ -3844,24 +3810,24 @@
               <a:t>  </a:t>
             </a:r>
             <a:r>
-              <a:rPr lang="zh-TW" altLang="en-US" sz="5400" b="1" dirty="0" smtClean="0">
-                <a:solidFill>
-                  <a:srgbClr val="660033"/>
-                </a:solidFill>
-                <a:latin typeface="微軟正黑體" pitchFamily="34" charset="-120"/>
-                <a:ea typeface="微軟正黑體" pitchFamily="34" charset="-120"/>
-              </a:rPr>
-              <a:t>我</a:t>
-            </a:r>
-            <a:r>
-              <a:rPr lang="zh-TW" altLang="en-US" sz="5400" b="1" dirty="0" smtClean="0">
-                <a:solidFill>
-                  <a:srgbClr val="660033"/>
-                </a:solidFill>
-                <a:latin typeface="微軟正黑體" pitchFamily="34" charset="-120"/>
-                <a:ea typeface="微軟正黑體" pitchFamily="34" charset="-120"/>
-              </a:rPr>
-              <a:t>要</a:t>
+              <a:rPr lang="zh-TW" altLang="en-US" sz="5400" b="1" dirty="0">
+                <a:solidFill>
+                  <a:srgbClr val="660033"/>
+                </a:solidFill>
+                <a:latin typeface="微軟正黑體" pitchFamily="34" charset="-120"/>
+                <a:ea typeface="微軟正黑體" pitchFamily="34" charset="-120"/>
+              </a:rPr>
+              <a:t>我要</a:t>
+            </a:r>
+            <a:r>
+              <a:rPr lang="zh-CN" altLang="en-US" sz="5400" b="1" dirty="0">
+                <a:solidFill>
+                  <a:srgbClr val="660033"/>
+                </a:solidFill>
+                <a:latin typeface="微軟正黑體" pitchFamily="34" charset="-120"/>
+                <a:ea typeface="微軟正黑體" pitchFamily="34" charset="-120"/>
+              </a:rPr>
+              <a:t>跳舞稱</a:t>
             </a:r>
             <a:r>
               <a:rPr lang="zh-CN" altLang="en-US" sz="5400" b="1" dirty="0" smtClean="0">
@@ -3871,19 +3837,19 @@
                 <a:latin typeface="微軟正黑體" pitchFamily="34" charset="-120"/>
                 <a:ea typeface="微軟正黑體" pitchFamily="34" charset="-120"/>
               </a:rPr>
-              <a:t>跳舞稱頌</a:t>
-            </a:r>
-            <a:r>
-              <a:rPr lang="zh-TW" altLang="en-US" sz="5400" b="1" dirty="0" smtClean="0">
-                <a:solidFill>
-                  <a:srgbClr val="660033"/>
-                </a:solidFill>
-                <a:latin typeface="微軟正黑體" pitchFamily="34" charset="-120"/>
-                <a:ea typeface="微軟正黑體" pitchFamily="34" charset="-120"/>
-              </a:rPr>
-              <a:t>你</a:t>
-            </a:r>
-            <a:endParaRPr lang="en-US" altLang="zh-TW" sz="5400" b="1" dirty="0" smtClean="0">
+              <a:t>頌</a:t>
+            </a:r>
+            <a:r>
+              <a:rPr lang="zh-CN" altLang="en-US" sz="5400" b="1" dirty="0">
+                <a:solidFill>
+                  <a:srgbClr val="660033"/>
+                </a:solidFill>
+                <a:latin typeface="微軟正黑體" pitchFamily="34" charset="-120"/>
+                <a:ea typeface="微軟正黑體" pitchFamily="34" charset="-120"/>
+              </a:rPr>
+              <a:t>袮</a:t>
+            </a:r>
+            <a:endParaRPr lang="en-US" altLang="zh-TW" sz="5400" b="1" dirty="0">
               <a:solidFill>
                 <a:srgbClr val="660033"/>
               </a:solidFill>
@@ -3896,27 +3862,17 @@
               <a:buNone/>
             </a:pPr>
             <a:r>
-              <a:rPr lang="zh-TW" altLang="en-US" sz="5400" b="1" dirty="0" smtClean="0">
-                <a:solidFill>
-                  <a:srgbClr val="660033"/>
-                </a:solidFill>
-                <a:latin typeface="微軟正黑體" pitchFamily="34" charset="-120"/>
-                <a:ea typeface="微軟正黑體" pitchFamily="34" charset="-120"/>
-              </a:rPr>
-              <a:t>神啊我的</a:t>
-            </a:r>
-            <a:r>
-              <a:rPr lang="zh-TW" altLang="en-US" sz="5400" b="1" dirty="0" smtClean="0">
-                <a:solidFill>
-                  <a:srgbClr val="660033"/>
-                </a:solidFill>
-                <a:latin typeface="微軟正黑體" pitchFamily="34" charset="-120"/>
-                <a:ea typeface="微軟正黑體" pitchFamily="34" charset="-120"/>
-              </a:rPr>
-              <a:t>神</a:t>
-            </a:r>
-            <a:r>
-              <a:rPr lang="en-US" altLang="zh-TW" sz="5400" b="1" dirty="0" smtClean="0">
+              <a:rPr lang="zh-TW" altLang="en-US" sz="5400" b="1" dirty="0">
+                <a:solidFill>
+                  <a:srgbClr val="660033"/>
+                </a:solidFill>
+                <a:latin typeface="微軟正黑體" pitchFamily="34" charset="-120"/>
+                <a:ea typeface="微軟正黑體" pitchFamily="34" charset="-120"/>
+              </a:rPr>
+              <a:t>神啊我的神</a:t>
+            </a:r>
+            <a:r>
+              <a:rPr lang="en-US" altLang="zh-TW" sz="5400" b="1" dirty="0">
                 <a:solidFill>
                   <a:srgbClr val="660033"/>
                 </a:solidFill>
@@ -3926,24 +3882,24 @@
               <a:t>  </a:t>
             </a:r>
             <a:r>
-              <a:rPr lang="zh-TW" altLang="en-US" sz="5400" b="1" dirty="0" smtClean="0">
-                <a:solidFill>
-                  <a:srgbClr val="660033"/>
-                </a:solidFill>
-                <a:latin typeface="微軟正黑體" pitchFamily="34" charset="-120"/>
-                <a:ea typeface="微軟正黑體" pitchFamily="34" charset="-120"/>
-              </a:rPr>
-              <a:t>我</a:t>
-            </a:r>
-            <a:r>
-              <a:rPr lang="zh-TW" altLang="en-US" sz="5400" b="1" dirty="0" smtClean="0">
-                <a:solidFill>
-                  <a:srgbClr val="660033"/>
-                </a:solidFill>
-                <a:latin typeface="微軟正黑體" pitchFamily="34" charset="-120"/>
-                <a:ea typeface="微軟正黑體" pitchFamily="34" charset="-120"/>
-              </a:rPr>
-              <a:t>要</a:t>
+              <a:rPr lang="zh-TW" altLang="en-US" sz="5400" b="1" dirty="0">
+                <a:solidFill>
+                  <a:srgbClr val="660033"/>
+                </a:solidFill>
+                <a:latin typeface="微軟正黑體" pitchFamily="34" charset="-120"/>
+                <a:ea typeface="微軟正黑體" pitchFamily="34" charset="-120"/>
+              </a:rPr>
+              <a:t>我要</a:t>
+            </a:r>
+            <a:r>
+              <a:rPr lang="zh-CN" altLang="en-US" sz="5400" b="1" dirty="0">
+                <a:solidFill>
+                  <a:srgbClr val="660033"/>
+                </a:solidFill>
+                <a:latin typeface="微軟正黑體" pitchFamily="34" charset="-120"/>
+                <a:ea typeface="微軟正黑體" pitchFamily="34" charset="-120"/>
+              </a:rPr>
+              <a:t>跳舞稱</a:t>
             </a:r>
             <a:r>
               <a:rPr lang="zh-CN" altLang="en-US" sz="5400" b="1" dirty="0" smtClean="0">
@@ -3953,18 +3909,25 @@
                 <a:latin typeface="微軟正黑體" pitchFamily="34" charset="-120"/>
                 <a:ea typeface="微軟正黑體" pitchFamily="34" charset="-120"/>
               </a:rPr>
-              <a:t>跳舞稱頌</a:t>
-            </a:r>
-            <a:r>
-              <a:rPr lang="zh-TW" altLang="en-US" sz="5400" b="1" dirty="0" smtClean="0">
-                <a:solidFill>
-                  <a:srgbClr val="660033"/>
-                </a:solidFill>
-                <a:latin typeface="微軟正黑體" pitchFamily="34" charset="-120"/>
-                <a:ea typeface="微軟正黑體" pitchFamily="34" charset="-120"/>
-              </a:rPr>
-              <a:t>你</a:t>
-            </a:r>
+              <a:t>頌</a:t>
+            </a:r>
+            <a:r>
+              <a:rPr lang="zh-CN" altLang="en-US" sz="5400" b="1" dirty="0">
+                <a:solidFill>
+                  <a:srgbClr val="660033"/>
+                </a:solidFill>
+                <a:latin typeface="微軟正黑體" pitchFamily="34" charset="-120"/>
+                <a:ea typeface="微軟正黑體" pitchFamily="34" charset="-120"/>
+              </a:rPr>
+              <a:t>袮</a:t>
+            </a:r>
+            <a:endParaRPr lang="zh-TW" altLang="en-US" sz="5400" b="1" dirty="0">
+              <a:solidFill>
+                <a:srgbClr val="660033"/>
+              </a:solidFill>
+              <a:latin typeface="微軟正黑體" pitchFamily="34" charset="-120"/>
+              <a:ea typeface="微軟正黑體" pitchFamily="34" charset="-120"/>
+            </a:endParaRPr>
           </a:p>
         </p:txBody>
       </p:sp>
